--- a/ppt 16-9/1381.压伤的芦苇祂.pptx
+++ b/ppt 16-9/1381.压伤的芦苇祂.pptx
@@ -5,7 +5,7 @@
     <p:sldMasterId id="2147483648" r:id="rId1"/>
   </p:sldMasterIdLst>
   <p:sldIdLst>
-    <p:sldId id="950" r:id="rId2"/>
+    <p:sldId id="951" r:id="rId2"/>
   </p:sldIdLst>
   <p:sldSz cx="12192000" cy="6858000"/>
   <p:notesSz cx="6858000" cy="9144000"/>
@@ -129,7 +129,7 @@
           <p:cNvPr id="2" name="标题 1">
             <a:extLst>
               <a:ext uri="{FF2B5EF4-FFF2-40B4-BE49-F238E27FC236}">
-                <a16:creationId xmlns:a16="http://schemas.microsoft.com/office/drawing/2014/main" id="{CC8F873D-1BE6-8C90-C57E-DFAB7465D893}"/>
+                <a16:creationId xmlns:a16="http://schemas.microsoft.com/office/drawing/2014/main" id="{77686609-7884-7388-155D-66ABCB0E56E3}"/>
               </a:ext>
             </a:extLst>
           </p:cNvPr>
@@ -166,7 +166,7 @@
           <p:cNvPr id="3" name="副标题 2">
             <a:extLst>
               <a:ext uri="{FF2B5EF4-FFF2-40B4-BE49-F238E27FC236}">
-                <a16:creationId xmlns:a16="http://schemas.microsoft.com/office/drawing/2014/main" id="{744327C6-2EB9-CBA4-274E-7ACFBC6080A5}"/>
+                <a16:creationId xmlns:a16="http://schemas.microsoft.com/office/drawing/2014/main" id="{6640F4CF-D41B-2997-AC62-D4AE3225CB19}"/>
               </a:ext>
             </a:extLst>
           </p:cNvPr>
@@ -236,7 +236,7 @@
           <p:cNvPr id="4" name="日期占位符 3">
             <a:extLst>
               <a:ext uri="{FF2B5EF4-FFF2-40B4-BE49-F238E27FC236}">
-                <a16:creationId xmlns:a16="http://schemas.microsoft.com/office/drawing/2014/main" id="{3CEBA7D7-9885-61A2-CDB1-40103938D38A}"/>
+                <a16:creationId xmlns:a16="http://schemas.microsoft.com/office/drawing/2014/main" id="{B09510E5-A6AB-05FC-9778-9F0E1132D62B}"/>
               </a:ext>
             </a:extLst>
           </p:cNvPr>
@@ -252,7 +252,7 @@
           <a:bodyPr/>
           <a:lstStyle/>
           <a:p>
-            <a:fld id="{A7FCEF9C-F8A4-45C4-982D-3032C06C672A}" type="datetimeFigureOut">
+            <a:fld id="{2B560A42-5D6D-4EC6-BCF2-4FB149174AC9}" type="datetimeFigureOut">
               <a:rPr lang="zh-CN" altLang="en-US" smtClean="0"/>
               <a:t>2024/3/10</a:t>
             </a:fld>
@@ -265,7 +265,7 @@
           <p:cNvPr id="5" name="页脚占位符 4">
             <a:extLst>
               <a:ext uri="{FF2B5EF4-FFF2-40B4-BE49-F238E27FC236}">
-                <a16:creationId xmlns:a16="http://schemas.microsoft.com/office/drawing/2014/main" id="{E3B6E06A-CBAE-AA48-9026-727C04FA871C}"/>
+                <a16:creationId xmlns:a16="http://schemas.microsoft.com/office/drawing/2014/main" id="{454FF5B9-B88C-B45A-47A6-2C0059B138FB}"/>
               </a:ext>
             </a:extLst>
           </p:cNvPr>
@@ -290,7 +290,7 @@
           <p:cNvPr id="6" name="灯片编号占位符 5">
             <a:extLst>
               <a:ext uri="{FF2B5EF4-FFF2-40B4-BE49-F238E27FC236}">
-                <a16:creationId xmlns:a16="http://schemas.microsoft.com/office/drawing/2014/main" id="{C9ACB6BC-B241-3EE1-C413-666980DDB456}"/>
+                <a16:creationId xmlns:a16="http://schemas.microsoft.com/office/drawing/2014/main" id="{21E755CA-9213-438F-8695-06131BBE9CC6}"/>
               </a:ext>
             </a:extLst>
           </p:cNvPr>
@@ -306,7 +306,7 @@
           <a:bodyPr/>
           <a:lstStyle/>
           <a:p>
-            <a:fld id="{00F8F733-F568-4DEF-AF22-07B064E5211A}" type="slidenum">
+            <a:fld id="{2BD5C6B3-6733-4B7A-83CC-E338CED6BFEF}" type="slidenum">
               <a:rPr lang="zh-CN" altLang="en-US" smtClean="0"/>
               <a:t>‹#›</a:t>
             </a:fld>
@@ -317,7 +317,7 @@
     </p:spTree>
     <p:extLst>
       <p:ext uri="{BB962C8B-B14F-4D97-AF65-F5344CB8AC3E}">
-        <p14:creationId xmlns:p14="http://schemas.microsoft.com/office/powerpoint/2010/main" val="2718585660"/>
+        <p14:creationId xmlns:p14="http://schemas.microsoft.com/office/powerpoint/2010/main" val="984104729"/>
       </p:ext>
     </p:extLst>
   </p:cSld>
@@ -349,7 +349,7 @@
           <p:cNvPr id="2" name="标题 1">
             <a:extLst>
               <a:ext uri="{FF2B5EF4-FFF2-40B4-BE49-F238E27FC236}">
-                <a16:creationId xmlns:a16="http://schemas.microsoft.com/office/drawing/2014/main" id="{B641D0F3-821F-A6E0-EBA2-04EE8CB299E1}"/>
+                <a16:creationId xmlns:a16="http://schemas.microsoft.com/office/drawing/2014/main" id="{0F4C28C8-4020-FF5A-96AD-4018C529BA04}"/>
               </a:ext>
             </a:extLst>
           </p:cNvPr>
@@ -377,7 +377,7 @@
           <p:cNvPr id="3" name="竖排文字占位符 2">
             <a:extLst>
               <a:ext uri="{FF2B5EF4-FFF2-40B4-BE49-F238E27FC236}">
-                <a16:creationId xmlns:a16="http://schemas.microsoft.com/office/drawing/2014/main" id="{3DF1CD4E-6727-AEDB-E655-FCC1EF96C5F8}"/>
+                <a16:creationId xmlns:a16="http://schemas.microsoft.com/office/drawing/2014/main" id="{4BEA2374-4678-4AAC-4679-09C8D5BCC749}"/>
               </a:ext>
             </a:extLst>
           </p:cNvPr>
@@ -434,7 +434,7 @@
           <p:cNvPr id="4" name="日期占位符 3">
             <a:extLst>
               <a:ext uri="{FF2B5EF4-FFF2-40B4-BE49-F238E27FC236}">
-                <a16:creationId xmlns:a16="http://schemas.microsoft.com/office/drawing/2014/main" id="{6648223A-A7B0-E986-7A2C-38AE5DEE1C26}"/>
+                <a16:creationId xmlns:a16="http://schemas.microsoft.com/office/drawing/2014/main" id="{5F088A83-B917-6B46-B1E1-6CD2BEEA170C}"/>
               </a:ext>
             </a:extLst>
           </p:cNvPr>
@@ -450,7 +450,7 @@
           <a:bodyPr/>
           <a:lstStyle/>
           <a:p>
-            <a:fld id="{A7FCEF9C-F8A4-45C4-982D-3032C06C672A}" type="datetimeFigureOut">
+            <a:fld id="{2B560A42-5D6D-4EC6-BCF2-4FB149174AC9}" type="datetimeFigureOut">
               <a:rPr lang="zh-CN" altLang="en-US" smtClean="0"/>
               <a:t>2024/3/10</a:t>
             </a:fld>
@@ -463,7 +463,7 @@
           <p:cNvPr id="5" name="页脚占位符 4">
             <a:extLst>
               <a:ext uri="{FF2B5EF4-FFF2-40B4-BE49-F238E27FC236}">
-                <a16:creationId xmlns:a16="http://schemas.microsoft.com/office/drawing/2014/main" id="{440F1607-AD2A-3760-9A8D-844B0D02EE1D}"/>
+                <a16:creationId xmlns:a16="http://schemas.microsoft.com/office/drawing/2014/main" id="{E7A77EFE-FADF-575E-5127-12892D92F178}"/>
               </a:ext>
             </a:extLst>
           </p:cNvPr>
@@ -488,7 +488,7 @@
           <p:cNvPr id="6" name="灯片编号占位符 5">
             <a:extLst>
               <a:ext uri="{FF2B5EF4-FFF2-40B4-BE49-F238E27FC236}">
-                <a16:creationId xmlns:a16="http://schemas.microsoft.com/office/drawing/2014/main" id="{47992F29-5CE7-F825-94C5-2CFF4576F623}"/>
+                <a16:creationId xmlns:a16="http://schemas.microsoft.com/office/drawing/2014/main" id="{198274BA-6CEF-75F1-27FC-26C5C81ED4ED}"/>
               </a:ext>
             </a:extLst>
           </p:cNvPr>
@@ -504,7 +504,7 @@
           <a:bodyPr/>
           <a:lstStyle/>
           <a:p>
-            <a:fld id="{00F8F733-F568-4DEF-AF22-07B064E5211A}" type="slidenum">
+            <a:fld id="{2BD5C6B3-6733-4B7A-83CC-E338CED6BFEF}" type="slidenum">
               <a:rPr lang="zh-CN" altLang="en-US" smtClean="0"/>
               <a:t>‹#›</a:t>
             </a:fld>
@@ -515,7 +515,7 @@
     </p:spTree>
     <p:extLst>
       <p:ext uri="{BB962C8B-B14F-4D97-AF65-F5344CB8AC3E}">
-        <p14:creationId xmlns:p14="http://schemas.microsoft.com/office/powerpoint/2010/main" val="3398163096"/>
+        <p14:creationId xmlns:p14="http://schemas.microsoft.com/office/powerpoint/2010/main" val="3811404870"/>
       </p:ext>
     </p:extLst>
   </p:cSld>
@@ -547,7 +547,7 @@
           <p:cNvPr id="2" name="竖排标题 1">
             <a:extLst>
               <a:ext uri="{FF2B5EF4-FFF2-40B4-BE49-F238E27FC236}">
-                <a16:creationId xmlns:a16="http://schemas.microsoft.com/office/drawing/2014/main" id="{C06D0948-1020-AC40-2F33-17430ACBFB0D}"/>
+                <a16:creationId xmlns:a16="http://schemas.microsoft.com/office/drawing/2014/main" id="{2A1D5819-A3C8-9790-4F3F-6007C1F21E3A}"/>
               </a:ext>
             </a:extLst>
           </p:cNvPr>
@@ -580,7 +580,7 @@
           <p:cNvPr id="3" name="竖排文字占位符 2">
             <a:extLst>
               <a:ext uri="{FF2B5EF4-FFF2-40B4-BE49-F238E27FC236}">
-                <a16:creationId xmlns:a16="http://schemas.microsoft.com/office/drawing/2014/main" id="{0E6A25A5-02C8-4F52-DF5E-41D8D9A0E489}"/>
+                <a16:creationId xmlns:a16="http://schemas.microsoft.com/office/drawing/2014/main" id="{898DA0FF-8D50-64CA-6A00-3340BBB863A7}"/>
               </a:ext>
             </a:extLst>
           </p:cNvPr>
@@ -642,7 +642,7 @@
           <p:cNvPr id="4" name="日期占位符 3">
             <a:extLst>
               <a:ext uri="{FF2B5EF4-FFF2-40B4-BE49-F238E27FC236}">
-                <a16:creationId xmlns:a16="http://schemas.microsoft.com/office/drawing/2014/main" id="{5D21308D-74A3-C214-160B-932FCC72103E}"/>
+                <a16:creationId xmlns:a16="http://schemas.microsoft.com/office/drawing/2014/main" id="{76B84643-2344-5553-CFB3-FC5FC6C6021F}"/>
               </a:ext>
             </a:extLst>
           </p:cNvPr>
@@ -658,7 +658,7 @@
           <a:bodyPr/>
           <a:lstStyle/>
           <a:p>
-            <a:fld id="{A7FCEF9C-F8A4-45C4-982D-3032C06C672A}" type="datetimeFigureOut">
+            <a:fld id="{2B560A42-5D6D-4EC6-BCF2-4FB149174AC9}" type="datetimeFigureOut">
               <a:rPr lang="zh-CN" altLang="en-US" smtClean="0"/>
               <a:t>2024/3/10</a:t>
             </a:fld>
@@ -671,7 +671,7 @@
           <p:cNvPr id="5" name="页脚占位符 4">
             <a:extLst>
               <a:ext uri="{FF2B5EF4-FFF2-40B4-BE49-F238E27FC236}">
-                <a16:creationId xmlns:a16="http://schemas.microsoft.com/office/drawing/2014/main" id="{28AB2B52-A3BE-7C3F-B3AE-9247FAB1E798}"/>
+                <a16:creationId xmlns:a16="http://schemas.microsoft.com/office/drawing/2014/main" id="{A8C0D8D6-18A7-C6A4-FEB6-22DDA12DFBBC}"/>
               </a:ext>
             </a:extLst>
           </p:cNvPr>
@@ -696,7 +696,7 @@
           <p:cNvPr id="6" name="灯片编号占位符 5">
             <a:extLst>
               <a:ext uri="{FF2B5EF4-FFF2-40B4-BE49-F238E27FC236}">
-                <a16:creationId xmlns:a16="http://schemas.microsoft.com/office/drawing/2014/main" id="{CB3EC4CB-2A73-F5A5-6482-24D3CD71D7B4}"/>
+                <a16:creationId xmlns:a16="http://schemas.microsoft.com/office/drawing/2014/main" id="{548DA3E4-E70E-58F6-D303-574F0B8B3FD0}"/>
               </a:ext>
             </a:extLst>
           </p:cNvPr>
@@ -712,7 +712,7 @@
           <a:bodyPr/>
           <a:lstStyle/>
           <a:p>
-            <a:fld id="{00F8F733-F568-4DEF-AF22-07B064E5211A}" type="slidenum">
+            <a:fld id="{2BD5C6B3-6733-4B7A-83CC-E338CED6BFEF}" type="slidenum">
               <a:rPr lang="zh-CN" altLang="en-US" smtClean="0"/>
               <a:t>‹#›</a:t>
             </a:fld>
@@ -723,7 +723,7 @@
     </p:spTree>
     <p:extLst>
       <p:ext uri="{BB962C8B-B14F-4D97-AF65-F5344CB8AC3E}">
-        <p14:creationId xmlns:p14="http://schemas.microsoft.com/office/powerpoint/2010/main" val="1346549456"/>
+        <p14:creationId xmlns:p14="http://schemas.microsoft.com/office/powerpoint/2010/main" val="3177813552"/>
       </p:ext>
     </p:extLst>
   </p:cSld>
@@ -755,7 +755,7 @@
           <p:cNvPr id="2" name="标题 1">
             <a:extLst>
               <a:ext uri="{FF2B5EF4-FFF2-40B4-BE49-F238E27FC236}">
-                <a16:creationId xmlns:a16="http://schemas.microsoft.com/office/drawing/2014/main" id="{373A581D-2E31-7B2E-4117-D598837816F8}"/>
+                <a16:creationId xmlns:a16="http://schemas.microsoft.com/office/drawing/2014/main" id="{1FD0E085-BE70-C67F-7298-EB38E60CA5B5}"/>
               </a:ext>
             </a:extLst>
           </p:cNvPr>
@@ -783,7 +783,7 @@
           <p:cNvPr id="3" name="内容占位符 2">
             <a:extLst>
               <a:ext uri="{FF2B5EF4-FFF2-40B4-BE49-F238E27FC236}">
-                <a16:creationId xmlns:a16="http://schemas.microsoft.com/office/drawing/2014/main" id="{D3676602-F429-1B9C-80C9-F73AC4006FB9}"/>
+                <a16:creationId xmlns:a16="http://schemas.microsoft.com/office/drawing/2014/main" id="{4E41DE83-0E8C-1325-37AA-E4676B029950}"/>
               </a:ext>
             </a:extLst>
           </p:cNvPr>
@@ -840,7 +840,7 @@
           <p:cNvPr id="4" name="日期占位符 3">
             <a:extLst>
               <a:ext uri="{FF2B5EF4-FFF2-40B4-BE49-F238E27FC236}">
-                <a16:creationId xmlns:a16="http://schemas.microsoft.com/office/drawing/2014/main" id="{928593ED-41A6-672F-DE2D-CD848F00AFDB}"/>
+                <a16:creationId xmlns:a16="http://schemas.microsoft.com/office/drawing/2014/main" id="{F35A65B9-A7F7-C40B-2EF0-6193C56D2A51}"/>
               </a:ext>
             </a:extLst>
           </p:cNvPr>
@@ -856,7 +856,7 @@
           <a:bodyPr/>
           <a:lstStyle/>
           <a:p>
-            <a:fld id="{A7FCEF9C-F8A4-45C4-982D-3032C06C672A}" type="datetimeFigureOut">
+            <a:fld id="{2B560A42-5D6D-4EC6-BCF2-4FB149174AC9}" type="datetimeFigureOut">
               <a:rPr lang="zh-CN" altLang="en-US" smtClean="0"/>
               <a:t>2024/3/10</a:t>
             </a:fld>
@@ -869,7 +869,7 @@
           <p:cNvPr id="5" name="页脚占位符 4">
             <a:extLst>
               <a:ext uri="{FF2B5EF4-FFF2-40B4-BE49-F238E27FC236}">
-                <a16:creationId xmlns:a16="http://schemas.microsoft.com/office/drawing/2014/main" id="{108CCA17-8CA5-7CD7-0AB8-6E05EB2893E8}"/>
+                <a16:creationId xmlns:a16="http://schemas.microsoft.com/office/drawing/2014/main" id="{41D243C0-150C-55E6-5666-FB14A4538F29}"/>
               </a:ext>
             </a:extLst>
           </p:cNvPr>
@@ -894,7 +894,7 @@
           <p:cNvPr id="6" name="灯片编号占位符 5">
             <a:extLst>
               <a:ext uri="{FF2B5EF4-FFF2-40B4-BE49-F238E27FC236}">
-                <a16:creationId xmlns:a16="http://schemas.microsoft.com/office/drawing/2014/main" id="{A7EF9775-8556-48E7-551B-5AF02EC0F64D}"/>
+                <a16:creationId xmlns:a16="http://schemas.microsoft.com/office/drawing/2014/main" id="{56734C5A-9B41-D81A-7DEC-8A73D102C3BE}"/>
               </a:ext>
             </a:extLst>
           </p:cNvPr>
@@ -910,7 +910,7 @@
           <a:bodyPr/>
           <a:lstStyle/>
           <a:p>
-            <a:fld id="{00F8F733-F568-4DEF-AF22-07B064E5211A}" type="slidenum">
+            <a:fld id="{2BD5C6B3-6733-4B7A-83CC-E338CED6BFEF}" type="slidenum">
               <a:rPr lang="zh-CN" altLang="en-US" smtClean="0"/>
               <a:t>‹#›</a:t>
             </a:fld>
@@ -921,7 +921,7 @@
     </p:spTree>
     <p:extLst>
       <p:ext uri="{BB962C8B-B14F-4D97-AF65-F5344CB8AC3E}">
-        <p14:creationId xmlns:p14="http://schemas.microsoft.com/office/powerpoint/2010/main" val="2063643890"/>
+        <p14:creationId xmlns:p14="http://schemas.microsoft.com/office/powerpoint/2010/main" val="22944894"/>
       </p:ext>
     </p:extLst>
   </p:cSld>
@@ -953,7 +953,7 @@
           <p:cNvPr id="2" name="标题 1">
             <a:extLst>
               <a:ext uri="{FF2B5EF4-FFF2-40B4-BE49-F238E27FC236}">
-                <a16:creationId xmlns:a16="http://schemas.microsoft.com/office/drawing/2014/main" id="{74AA830C-0DCB-B729-3783-EB58E8E59734}"/>
+                <a16:creationId xmlns:a16="http://schemas.microsoft.com/office/drawing/2014/main" id="{0C7B0E3E-2C58-BBE7-042C-AC5B2052A2A4}"/>
               </a:ext>
             </a:extLst>
           </p:cNvPr>
@@ -990,7 +990,7 @@
           <p:cNvPr id="3" name="文本占位符 2">
             <a:extLst>
               <a:ext uri="{FF2B5EF4-FFF2-40B4-BE49-F238E27FC236}">
-                <a16:creationId xmlns:a16="http://schemas.microsoft.com/office/drawing/2014/main" id="{6DF92718-3D09-80F6-9533-F414E37D546A}"/>
+                <a16:creationId xmlns:a16="http://schemas.microsoft.com/office/drawing/2014/main" id="{F43064E3-6649-2692-0F67-38740A665244}"/>
               </a:ext>
             </a:extLst>
           </p:cNvPr>
@@ -1115,7 +1115,7 @@
           <p:cNvPr id="4" name="日期占位符 3">
             <a:extLst>
               <a:ext uri="{FF2B5EF4-FFF2-40B4-BE49-F238E27FC236}">
-                <a16:creationId xmlns:a16="http://schemas.microsoft.com/office/drawing/2014/main" id="{3792B139-6B88-875D-E4D3-7170ED4EBFC0}"/>
+                <a16:creationId xmlns:a16="http://schemas.microsoft.com/office/drawing/2014/main" id="{DC11BAD3-9458-B4F1-0D12-AFA2051FFDA1}"/>
               </a:ext>
             </a:extLst>
           </p:cNvPr>
@@ -1131,7 +1131,7 @@
           <a:bodyPr/>
           <a:lstStyle/>
           <a:p>
-            <a:fld id="{A7FCEF9C-F8A4-45C4-982D-3032C06C672A}" type="datetimeFigureOut">
+            <a:fld id="{2B560A42-5D6D-4EC6-BCF2-4FB149174AC9}" type="datetimeFigureOut">
               <a:rPr lang="zh-CN" altLang="en-US" smtClean="0"/>
               <a:t>2024/3/10</a:t>
             </a:fld>
@@ -1144,7 +1144,7 @@
           <p:cNvPr id="5" name="页脚占位符 4">
             <a:extLst>
               <a:ext uri="{FF2B5EF4-FFF2-40B4-BE49-F238E27FC236}">
-                <a16:creationId xmlns:a16="http://schemas.microsoft.com/office/drawing/2014/main" id="{016EEEED-CC58-B1A7-B118-C4E706002FAA}"/>
+                <a16:creationId xmlns:a16="http://schemas.microsoft.com/office/drawing/2014/main" id="{C8B6B6FE-1BC2-644C-BFBE-D05AC3E1C617}"/>
               </a:ext>
             </a:extLst>
           </p:cNvPr>
@@ -1169,7 +1169,7 @@
           <p:cNvPr id="6" name="灯片编号占位符 5">
             <a:extLst>
               <a:ext uri="{FF2B5EF4-FFF2-40B4-BE49-F238E27FC236}">
-                <a16:creationId xmlns:a16="http://schemas.microsoft.com/office/drawing/2014/main" id="{85E4426D-CD96-CBE9-1B1F-FB147073247E}"/>
+                <a16:creationId xmlns:a16="http://schemas.microsoft.com/office/drawing/2014/main" id="{22C13F61-6493-A602-CC9D-D28A42B7EEDD}"/>
               </a:ext>
             </a:extLst>
           </p:cNvPr>
@@ -1185,7 +1185,7 @@
           <a:bodyPr/>
           <a:lstStyle/>
           <a:p>
-            <a:fld id="{00F8F733-F568-4DEF-AF22-07B064E5211A}" type="slidenum">
+            <a:fld id="{2BD5C6B3-6733-4B7A-83CC-E338CED6BFEF}" type="slidenum">
               <a:rPr lang="zh-CN" altLang="en-US" smtClean="0"/>
               <a:t>‹#›</a:t>
             </a:fld>
@@ -1196,7 +1196,7 @@
     </p:spTree>
     <p:extLst>
       <p:ext uri="{BB962C8B-B14F-4D97-AF65-F5344CB8AC3E}">
-        <p14:creationId xmlns:p14="http://schemas.microsoft.com/office/powerpoint/2010/main" val="293165245"/>
+        <p14:creationId xmlns:p14="http://schemas.microsoft.com/office/powerpoint/2010/main" val="147925339"/>
       </p:ext>
     </p:extLst>
   </p:cSld>
@@ -1228,7 +1228,7 @@
           <p:cNvPr id="2" name="标题 1">
             <a:extLst>
               <a:ext uri="{FF2B5EF4-FFF2-40B4-BE49-F238E27FC236}">
-                <a16:creationId xmlns:a16="http://schemas.microsoft.com/office/drawing/2014/main" id="{73F72682-D2BC-B769-DD88-579A0CB41294}"/>
+                <a16:creationId xmlns:a16="http://schemas.microsoft.com/office/drawing/2014/main" id="{3260E0A3-215D-DC7B-3215-D70556E6429B}"/>
               </a:ext>
             </a:extLst>
           </p:cNvPr>
@@ -1256,7 +1256,7 @@
           <p:cNvPr id="3" name="内容占位符 2">
             <a:extLst>
               <a:ext uri="{FF2B5EF4-FFF2-40B4-BE49-F238E27FC236}">
-                <a16:creationId xmlns:a16="http://schemas.microsoft.com/office/drawing/2014/main" id="{6E868F37-E0C1-88D8-844F-A2744511EACE}"/>
+                <a16:creationId xmlns:a16="http://schemas.microsoft.com/office/drawing/2014/main" id="{E74D63F7-8A78-798B-EBB9-6A02E287C968}"/>
               </a:ext>
             </a:extLst>
           </p:cNvPr>
@@ -1318,7 +1318,7 @@
           <p:cNvPr id="4" name="内容占位符 3">
             <a:extLst>
               <a:ext uri="{FF2B5EF4-FFF2-40B4-BE49-F238E27FC236}">
-                <a16:creationId xmlns:a16="http://schemas.microsoft.com/office/drawing/2014/main" id="{43F0F699-BF16-4B05-2C69-D01E793A5556}"/>
+                <a16:creationId xmlns:a16="http://schemas.microsoft.com/office/drawing/2014/main" id="{5812BCEE-871D-D25D-EE30-235C40E66B79}"/>
               </a:ext>
             </a:extLst>
           </p:cNvPr>
@@ -1380,7 +1380,7 @@
           <p:cNvPr id="5" name="日期占位符 4">
             <a:extLst>
               <a:ext uri="{FF2B5EF4-FFF2-40B4-BE49-F238E27FC236}">
-                <a16:creationId xmlns:a16="http://schemas.microsoft.com/office/drawing/2014/main" id="{73FB974D-222A-6C43-332B-3AE74F97A8CA}"/>
+                <a16:creationId xmlns:a16="http://schemas.microsoft.com/office/drawing/2014/main" id="{746F94FC-EFFA-4129-8C00-BACE216C126B}"/>
               </a:ext>
             </a:extLst>
           </p:cNvPr>
@@ -1396,7 +1396,7 @@
           <a:bodyPr/>
           <a:lstStyle/>
           <a:p>
-            <a:fld id="{A7FCEF9C-F8A4-45C4-982D-3032C06C672A}" type="datetimeFigureOut">
+            <a:fld id="{2B560A42-5D6D-4EC6-BCF2-4FB149174AC9}" type="datetimeFigureOut">
               <a:rPr lang="zh-CN" altLang="en-US" smtClean="0"/>
               <a:t>2024/3/10</a:t>
             </a:fld>
@@ -1409,7 +1409,7 @@
           <p:cNvPr id="6" name="页脚占位符 5">
             <a:extLst>
               <a:ext uri="{FF2B5EF4-FFF2-40B4-BE49-F238E27FC236}">
-                <a16:creationId xmlns:a16="http://schemas.microsoft.com/office/drawing/2014/main" id="{EBB6AA9A-3E0B-5A71-CA96-D7FFC49409C9}"/>
+                <a16:creationId xmlns:a16="http://schemas.microsoft.com/office/drawing/2014/main" id="{167E9A87-D079-FAA6-578A-E34C9328859C}"/>
               </a:ext>
             </a:extLst>
           </p:cNvPr>
@@ -1434,7 +1434,7 @@
           <p:cNvPr id="7" name="灯片编号占位符 6">
             <a:extLst>
               <a:ext uri="{FF2B5EF4-FFF2-40B4-BE49-F238E27FC236}">
-                <a16:creationId xmlns:a16="http://schemas.microsoft.com/office/drawing/2014/main" id="{28CF720F-189E-31B4-9ABE-15BE507D98D3}"/>
+                <a16:creationId xmlns:a16="http://schemas.microsoft.com/office/drawing/2014/main" id="{EBECC63F-B975-05A8-1EC5-9A1980E99BFE}"/>
               </a:ext>
             </a:extLst>
           </p:cNvPr>
@@ -1450,7 +1450,7 @@
           <a:bodyPr/>
           <a:lstStyle/>
           <a:p>
-            <a:fld id="{00F8F733-F568-4DEF-AF22-07B064E5211A}" type="slidenum">
+            <a:fld id="{2BD5C6B3-6733-4B7A-83CC-E338CED6BFEF}" type="slidenum">
               <a:rPr lang="zh-CN" altLang="en-US" smtClean="0"/>
               <a:t>‹#›</a:t>
             </a:fld>
@@ -1461,7 +1461,7 @@
     </p:spTree>
     <p:extLst>
       <p:ext uri="{BB962C8B-B14F-4D97-AF65-F5344CB8AC3E}">
-        <p14:creationId xmlns:p14="http://schemas.microsoft.com/office/powerpoint/2010/main" val="2307701304"/>
+        <p14:creationId xmlns:p14="http://schemas.microsoft.com/office/powerpoint/2010/main" val="2677228012"/>
       </p:ext>
     </p:extLst>
   </p:cSld>
@@ -1493,7 +1493,7 @@
           <p:cNvPr id="2" name="标题 1">
             <a:extLst>
               <a:ext uri="{FF2B5EF4-FFF2-40B4-BE49-F238E27FC236}">
-                <a16:creationId xmlns:a16="http://schemas.microsoft.com/office/drawing/2014/main" id="{F97E06BC-51A2-EFEC-C62F-D2D9BE9178EC}"/>
+                <a16:creationId xmlns:a16="http://schemas.microsoft.com/office/drawing/2014/main" id="{95C6A8FC-7076-5EAB-2FA8-0BAFB66A06C8}"/>
               </a:ext>
             </a:extLst>
           </p:cNvPr>
@@ -1526,7 +1526,7 @@
           <p:cNvPr id="3" name="文本占位符 2">
             <a:extLst>
               <a:ext uri="{FF2B5EF4-FFF2-40B4-BE49-F238E27FC236}">
-                <a16:creationId xmlns:a16="http://schemas.microsoft.com/office/drawing/2014/main" id="{5DF2834D-FB66-79EE-B6DB-3D59EC1AE13E}"/>
+                <a16:creationId xmlns:a16="http://schemas.microsoft.com/office/drawing/2014/main" id="{1F2CFCF9-2FB9-2778-1A92-8EDF42119303}"/>
               </a:ext>
             </a:extLst>
           </p:cNvPr>
@@ -1597,7 +1597,7 @@
           <p:cNvPr id="4" name="内容占位符 3">
             <a:extLst>
               <a:ext uri="{FF2B5EF4-FFF2-40B4-BE49-F238E27FC236}">
-                <a16:creationId xmlns:a16="http://schemas.microsoft.com/office/drawing/2014/main" id="{EE1DCBFD-5EB1-26C6-CCFD-422BDD4A12D6}"/>
+                <a16:creationId xmlns:a16="http://schemas.microsoft.com/office/drawing/2014/main" id="{73AB2772-7E85-99DE-8B99-8E609B83BA3E}"/>
               </a:ext>
             </a:extLst>
           </p:cNvPr>
@@ -1659,7 +1659,7 @@
           <p:cNvPr id="5" name="文本占位符 4">
             <a:extLst>
               <a:ext uri="{FF2B5EF4-FFF2-40B4-BE49-F238E27FC236}">
-                <a16:creationId xmlns:a16="http://schemas.microsoft.com/office/drawing/2014/main" id="{BDB8AA1E-A2B2-3C1D-E463-FD0A626BD4A2}"/>
+                <a16:creationId xmlns:a16="http://schemas.microsoft.com/office/drawing/2014/main" id="{FA50A50A-1BCD-B79B-68DD-FD974784035E}"/>
               </a:ext>
             </a:extLst>
           </p:cNvPr>
@@ -1730,7 +1730,7 @@
           <p:cNvPr id="6" name="内容占位符 5">
             <a:extLst>
               <a:ext uri="{FF2B5EF4-FFF2-40B4-BE49-F238E27FC236}">
-                <a16:creationId xmlns:a16="http://schemas.microsoft.com/office/drawing/2014/main" id="{610AE455-A5F6-5837-E30F-616E299808A6}"/>
+                <a16:creationId xmlns:a16="http://schemas.microsoft.com/office/drawing/2014/main" id="{A4CB1C81-D352-06F6-C6E9-34789E49AE38}"/>
               </a:ext>
             </a:extLst>
           </p:cNvPr>
@@ -1792,7 +1792,7 @@
           <p:cNvPr id="7" name="日期占位符 6">
             <a:extLst>
               <a:ext uri="{FF2B5EF4-FFF2-40B4-BE49-F238E27FC236}">
-                <a16:creationId xmlns:a16="http://schemas.microsoft.com/office/drawing/2014/main" id="{BB1C73AA-8F28-F7B1-7A11-9B6B562D26D5}"/>
+                <a16:creationId xmlns:a16="http://schemas.microsoft.com/office/drawing/2014/main" id="{B7B5EF1B-726C-EA07-E515-18BFD4990AF7}"/>
               </a:ext>
             </a:extLst>
           </p:cNvPr>
@@ -1808,7 +1808,7 @@
           <a:bodyPr/>
           <a:lstStyle/>
           <a:p>
-            <a:fld id="{A7FCEF9C-F8A4-45C4-982D-3032C06C672A}" type="datetimeFigureOut">
+            <a:fld id="{2B560A42-5D6D-4EC6-BCF2-4FB149174AC9}" type="datetimeFigureOut">
               <a:rPr lang="zh-CN" altLang="en-US" smtClean="0"/>
               <a:t>2024/3/10</a:t>
             </a:fld>
@@ -1821,7 +1821,7 @@
           <p:cNvPr id="8" name="页脚占位符 7">
             <a:extLst>
               <a:ext uri="{FF2B5EF4-FFF2-40B4-BE49-F238E27FC236}">
-                <a16:creationId xmlns:a16="http://schemas.microsoft.com/office/drawing/2014/main" id="{DB8136CA-30A8-FCAB-D29B-3D15165512AB}"/>
+                <a16:creationId xmlns:a16="http://schemas.microsoft.com/office/drawing/2014/main" id="{F78B8426-0ED3-A3B3-0A36-676C2071EF6C}"/>
               </a:ext>
             </a:extLst>
           </p:cNvPr>
@@ -1846,7 +1846,7 @@
           <p:cNvPr id="9" name="灯片编号占位符 8">
             <a:extLst>
               <a:ext uri="{FF2B5EF4-FFF2-40B4-BE49-F238E27FC236}">
-                <a16:creationId xmlns:a16="http://schemas.microsoft.com/office/drawing/2014/main" id="{E3C1D2A4-0731-324C-1E08-DC577FB2E7E3}"/>
+                <a16:creationId xmlns:a16="http://schemas.microsoft.com/office/drawing/2014/main" id="{24EF4AE7-4D3F-B35F-8B8D-6ABA7E66B8F7}"/>
               </a:ext>
             </a:extLst>
           </p:cNvPr>
@@ -1862,7 +1862,7 @@
           <a:bodyPr/>
           <a:lstStyle/>
           <a:p>
-            <a:fld id="{00F8F733-F568-4DEF-AF22-07B064E5211A}" type="slidenum">
+            <a:fld id="{2BD5C6B3-6733-4B7A-83CC-E338CED6BFEF}" type="slidenum">
               <a:rPr lang="zh-CN" altLang="en-US" smtClean="0"/>
               <a:t>‹#›</a:t>
             </a:fld>
@@ -1873,7 +1873,7 @@
     </p:spTree>
     <p:extLst>
       <p:ext uri="{BB962C8B-B14F-4D97-AF65-F5344CB8AC3E}">
-        <p14:creationId xmlns:p14="http://schemas.microsoft.com/office/powerpoint/2010/main" val="1726894752"/>
+        <p14:creationId xmlns:p14="http://schemas.microsoft.com/office/powerpoint/2010/main" val="2279469045"/>
       </p:ext>
     </p:extLst>
   </p:cSld>
@@ -1905,7 +1905,7 @@
           <p:cNvPr id="2" name="标题 1">
             <a:extLst>
               <a:ext uri="{FF2B5EF4-FFF2-40B4-BE49-F238E27FC236}">
-                <a16:creationId xmlns:a16="http://schemas.microsoft.com/office/drawing/2014/main" id="{64158639-1BBA-87FF-28B4-4D1CE5DED091}"/>
+                <a16:creationId xmlns:a16="http://schemas.microsoft.com/office/drawing/2014/main" id="{ACF219E5-A35F-ED0A-63D8-BE0B893E3544}"/>
               </a:ext>
             </a:extLst>
           </p:cNvPr>
@@ -1933,7 +1933,7 @@
           <p:cNvPr id="3" name="日期占位符 2">
             <a:extLst>
               <a:ext uri="{FF2B5EF4-FFF2-40B4-BE49-F238E27FC236}">
-                <a16:creationId xmlns:a16="http://schemas.microsoft.com/office/drawing/2014/main" id="{914E02FD-167B-C11E-5F19-36E518AE880B}"/>
+                <a16:creationId xmlns:a16="http://schemas.microsoft.com/office/drawing/2014/main" id="{C93524D7-6E33-A337-543F-5DDC32ADD07D}"/>
               </a:ext>
             </a:extLst>
           </p:cNvPr>
@@ -1949,7 +1949,7 @@
           <a:bodyPr/>
           <a:lstStyle/>
           <a:p>
-            <a:fld id="{A7FCEF9C-F8A4-45C4-982D-3032C06C672A}" type="datetimeFigureOut">
+            <a:fld id="{2B560A42-5D6D-4EC6-BCF2-4FB149174AC9}" type="datetimeFigureOut">
               <a:rPr lang="zh-CN" altLang="en-US" smtClean="0"/>
               <a:t>2024/3/10</a:t>
             </a:fld>
@@ -1962,7 +1962,7 @@
           <p:cNvPr id="4" name="页脚占位符 3">
             <a:extLst>
               <a:ext uri="{FF2B5EF4-FFF2-40B4-BE49-F238E27FC236}">
-                <a16:creationId xmlns:a16="http://schemas.microsoft.com/office/drawing/2014/main" id="{D93917BF-4F63-7EBA-F009-5BF8203ECD1D}"/>
+                <a16:creationId xmlns:a16="http://schemas.microsoft.com/office/drawing/2014/main" id="{3149AFB6-D68A-78E5-8A65-0779E2EC473A}"/>
               </a:ext>
             </a:extLst>
           </p:cNvPr>
@@ -1987,7 +1987,7 @@
           <p:cNvPr id="5" name="灯片编号占位符 4">
             <a:extLst>
               <a:ext uri="{FF2B5EF4-FFF2-40B4-BE49-F238E27FC236}">
-                <a16:creationId xmlns:a16="http://schemas.microsoft.com/office/drawing/2014/main" id="{38644A73-C9F7-A578-4932-762062DE1A34}"/>
+                <a16:creationId xmlns:a16="http://schemas.microsoft.com/office/drawing/2014/main" id="{93A31FE4-51B4-BDCE-7CE1-DBCA7A231EE2}"/>
               </a:ext>
             </a:extLst>
           </p:cNvPr>
@@ -2003,7 +2003,7 @@
           <a:bodyPr/>
           <a:lstStyle/>
           <a:p>
-            <a:fld id="{00F8F733-F568-4DEF-AF22-07B064E5211A}" type="slidenum">
+            <a:fld id="{2BD5C6B3-6733-4B7A-83CC-E338CED6BFEF}" type="slidenum">
               <a:rPr lang="zh-CN" altLang="en-US" smtClean="0"/>
               <a:t>‹#›</a:t>
             </a:fld>
@@ -2014,7 +2014,7 @@
     </p:spTree>
     <p:extLst>
       <p:ext uri="{BB962C8B-B14F-4D97-AF65-F5344CB8AC3E}">
-        <p14:creationId xmlns:p14="http://schemas.microsoft.com/office/powerpoint/2010/main" val="1543717118"/>
+        <p14:creationId xmlns:p14="http://schemas.microsoft.com/office/powerpoint/2010/main" val="1061218285"/>
       </p:ext>
     </p:extLst>
   </p:cSld>
@@ -2046,7 +2046,7 @@
           <p:cNvPr id="2" name="日期占位符 1">
             <a:extLst>
               <a:ext uri="{FF2B5EF4-FFF2-40B4-BE49-F238E27FC236}">
-                <a16:creationId xmlns:a16="http://schemas.microsoft.com/office/drawing/2014/main" id="{367D58DF-734C-C919-F455-C9A3D32BDD3F}"/>
+                <a16:creationId xmlns:a16="http://schemas.microsoft.com/office/drawing/2014/main" id="{76E25CED-C446-A862-BD91-B47F30517DF7}"/>
               </a:ext>
             </a:extLst>
           </p:cNvPr>
@@ -2062,7 +2062,7 @@
           <a:bodyPr/>
           <a:lstStyle/>
           <a:p>
-            <a:fld id="{A7FCEF9C-F8A4-45C4-982D-3032C06C672A}" type="datetimeFigureOut">
+            <a:fld id="{2B560A42-5D6D-4EC6-BCF2-4FB149174AC9}" type="datetimeFigureOut">
               <a:rPr lang="zh-CN" altLang="en-US" smtClean="0"/>
               <a:t>2024/3/10</a:t>
             </a:fld>
@@ -2075,7 +2075,7 @@
           <p:cNvPr id="3" name="页脚占位符 2">
             <a:extLst>
               <a:ext uri="{FF2B5EF4-FFF2-40B4-BE49-F238E27FC236}">
-                <a16:creationId xmlns:a16="http://schemas.microsoft.com/office/drawing/2014/main" id="{B1AF37B2-EDC0-D157-3445-34D25AA2B3DA}"/>
+                <a16:creationId xmlns:a16="http://schemas.microsoft.com/office/drawing/2014/main" id="{AA6E2EB6-D2C2-5C9D-89D8-E7B40920A987}"/>
               </a:ext>
             </a:extLst>
           </p:cNvPr>
@@ -2100,7 +2100,7 @@
           <p:cNvPr id="4" name="灯片编号占位符 3">
             <a:extLst>
               <a:ext uri="{FF2B5EF4-FFF2-40B4-BE49-F238E27FC236}">
-                <a16:creationId xmlns:a16="http://schemas.microsoft.com/office/drawing/2014/main" id="{D70E93FA-E280-50D7-95EB-AC32E015E9EC}"/>
+                <a16:creationId xmlns:a16="http://schemas.microsoft.com/office/drawing/2014/main" id="{02AD5835-806C-0619-5B46-52D923587584}"/>
               </a:ext>
             </a:extLst>
           </p:cNvPr>
@@ -2116,7 +2116,7 @@
           <a:bodyPr/>
           <a:lstStyle/>
           <a:p>
-            <a:fld id="{00F8F733-F568-4DEF-AF22-07B064E5211A}" type="slidenum">
+            <a:fld id="{2BD5C6B3-6733-4B7A-83CC-E338CED6BFEF}" type="slidenum">
               <a:rPr lang="zh-CN" altLang="en-US" smtClean="0"/>
               <a:t>‹#›</a:t>
             </a:fld>
@@ -2127,7 +2127,7 @@
     </p:spTree>
     <p:extLst>
       <p:ext uri="{BB962C8B-B14F-4D97-AF65-F5344CB8AC3E}">
-        <p14:creationId xmlns:p14="http://schemas.microsoft.com/office/powerpoint/2010/main" val="3611144651"/>
+        <p14:creationId xmlns:p14="http://schemas.microsoft.com/office/powerpoint/2010/main" val="2980487853"/>
       </p:ext>
     </p:extLst>
   </p:cSld>
@@ -2159,7 +2159,7 @@
           <p:cNvPr id="2" name="标题 1">
             <a:extLst>
               <a:ext uri="{FF2B5EF4-FFF2-40B4-BE49-F238E27FC236}">
-                <a16:creationId xmlns:a16="http://schemas.microsoft.com/office/drawing/2014/main" id="{2D264C11-009B-D7AB-81E6-1EFFBF08C4B8}"/>
+                <a16:creationId xmlns:a16="http://schemas.microsoft.com/office/drawing/2014/main" id="{86881F3C-DDEC-5830-1558-C7FC0D93151A}"/>
               </a:ext>
             </a:extLst>
           </p:cNvPr>
@@ -2196,7 +2196,7 @@
           <p:cNvPr id="3" name="内容占位符 2">
             <a:extLst>
               <a:ext uri="{FF2B5EF4-FFF2-40B4-BE49-F238E27FC236}">
-                <a16:creationId xmlns:a16="http://schemas.microsoft.com/office/drawing/2014/main" id="{84EFF1DD-49A9-340D-067B-69EBCA3AE551}"/>
+                <a16:creationId xmlns:a16="http://schemas.microsoft.com/office/drawing/2014/main" id="{FCB0CAC4-E013-C6CC-FA16-A52C4837FC0D}"/>
               </a:ext>
             </a:extLst>
           </p:cNvPr>
@@ -2286,7 +2286,7 @@
           <p:cNvPr id="4" name="文本占位符 3">
             <a:extLst>
               <a:ext uri="{FF2B5EF4-FFF2-40B4-BE49-F238E27FC236}">
-                <a16:creationId xmlns:a16="http://schemas.microsoft.com/office/drawing/2014/main" id="{7DD5EB87-6FF9-03FA-8DDC-433B9178D51B}"/>
+                <a16:creationId xmlns:a16="http://schemas.microsoft.com/office/drawing/2014/main" id="{293F57E8-5DB0-AC28-D31B-0E718D90B427}"/>
               </a:ext>
             </a:extLst>
           </p:cNvPr>
@@ -2357,7 +2357,7 @@
           <p:cNvPr id="5" name="日期占位符 4">
             <a:extLst>
               <a:ext uri="{FF2B5EF4-FFF2-40B4-BE49-F238E27FC236}">
-                <a16:creationId xmlns:a16="http://schemas.microsoft.com/office/drawing/2014/main" id="{552B6891-AF2B-49CD-E76D-23506905C77A}"/>
+                <a16:creationId xmlns:a16="http://schemas.microsoft.com/office/drawing/2014/main" id="{310CBA52-61C5-421A-4AAF-02E7B5D59E23}"/>
               </a:ext>
             </a:extLst>
           </p:cNvPr>
@@ -2373,7 +2373,7 @@
           <a:bodyPr/>
           <a:lstStyle/>
           <a:p>
-            <a:fld id="{A7FCEF9C-F8A4-45C4-982D-3032C06C672A}" type="datetimeFigureOut">
+            <a:fld id="{2B560A42-5D6D-4EC6-BCF2-4FB149174AC9}" type="datetimeFigureOut">
               <a:rPr lang="zh-CN" altLang="en-US" smtClean="0"/>
               <a:t>2024/3/10</a:t>
             </a:fld>
@@ -2386,7 +2386,7 @@
           <p:cNvPr id="6" name="页脚占位符 5">
             <a:extLst>
               <a:ext uri="{FF2B5EF4-FFF2-40B4-BE49-F238E27FC236}">
-                <a16:creationId xmlns:a16="http://schemas.microsoft.com/office/drawing/2014/main" id="{0EC673CD-F2A1-F513-2001-66ED31B5A87D}"/>
+                <a16:creationId xmlns:a16="http://schemas.microsoft.com/office/drawing/2014/main" id="{7BE5145C-A9E1-27CC-76CC-C05F1F089A6E}"/>
               </a:ext>
             </a:extLst>
           </p:cNvPr>
@@ -2411,7 +2411,7 @@
           <p:cNvPr id="7" name="灯片编号占位符 6">
             <a:extLst>
               <a:ext uri="{FF2B5EF4-FFF2-40B4-BE49-F238E27FC236}">
-                <a16:creationId xmlns:a16="http://schemas.microsoft.com/office/drawing/2014/main" id="{EAB64D9D-792F-6120-197F-86E6D696718E}"/>
+                <a16:creationId xmlns:a16="http://schemas.microsoft.com/office/drawing/2014/main" id="{78060F02-2B99-12E6-6162-E6AE5C5E23BC}"/>
               </a:ext>
             </a:extLst>
           </p:cNvPr>
@@ -2427,7 +2427,7 @@
           <a:bodyPr/>
           <a:lstStyle/>
           <a:p>
-            <a:fld id="{00F8F733-F568-4DEF-AF22-07B064E5211A}" type="slidenum">
+            <a:fld id="{2BD5C6B3-6733-4B7A-83CC-E338CED6BFEF}" type="slidenum">
               <a:rPr lang="zh-CN" altLang="en-US" smtClean="0"/>
               <a:t>‹#›</a:t>
             </a:fld>
@@ -2438,7 +2438,7 @@
     </p:spTree>
     <p:extLst>
       <p:ext uri="{BB962C8B-B14F-4D97-AF65-F5344CB8AC3E}">
-        <p14:creationId xmlns:p14="http://schemas.microsoft.com/office/powerpoint/2010/main" val="2345244935"/>
+        <p14:creationId xmlns:p14="http://schemas.microsoft.com/office/powerpoint/2010/main" val="3895844042"/>
       </p:ext>
     </p:extLst>
   </p:cSld>
@@ -2470,7 +2470,7 @@
           <p:cNvPr id="2" name="标题 1">
             <a:extLst>
               <a:ext uri="{FF2B5EF4-FFF2-40B4-BE49-F238E27FC236}">
-                <a16:creationId xmlns:a16="http://schemas.microsoft.com/office/drawing/2014/main" id="{FD8F3898-FC02-C97B-42C2-FCE677483EDB}"/>
+                <a16:creationId xmlns:a16="http://schemas.microsoft.com/office/drawing/2014/main" id="{53635176-F3F1-A54B-7BB7-C4FB507D18D5}"/>
               </a:ext>
             </a:extLst>
           </p:cNvPr>
@@ -2507,7 +2507,7 @@
           <p:cNvPr id="3" name="图片占位符 2">
             <a:extLst>
               <a:ext uri="{FF2B5EF4-FFF2-40B4-BE49-F238E27FC236}">
-                <a16:creationId xmlns:a16="http://schemas.microsoft.com/office/drawing/2014/main" id="{D6E2E08E-87EC-91E0-9233-9CD0D4807E24}"/>
+                <a16:creationId xmlns:a16="http://schemas.microsoft.com/office/drawing/2014/main" id="{A42A589D-D6C1-CF03-A464-72B7BA905577}"/>
               </a:ext>
             </a:extLst>
           </p:cNvPr>
@@ -2574,7 +2574,7 @@
           <p:cNvPr id="4" name="文本占位符 3">
             <a:extLst>
               <a:ext uri="{FF2B5EF4-FFF2-40B4-BE49-F238E27FC236}">
-                <a16:creationId xmlns:a16="http://schemas.microsoft.com/office/drawing/2014/main" id="{20D00A8B-A11E-D74D-A5F3-F9D4194AC305}"/>
+                <a16:creationId xmlns:a16="http://schemas.microsoft.com/office/drawing/2014/main" id="{D242B3F7-A21E-6DAF-2556-189D5817257D}"/>
               </a:ext>
             </a:extLst>
           </p:cNvPr>
@@ -2645,7 +2645,7 @@
           <p:cNvPr id="5" name="日期占位符 4">
             <a:extLst>
               <a:ext uri="{FF2B5EF4-FFF2-40B4-BE49-F238E27FC236}">
-                <a16:creationId xmlns:a16="http://schemas.microsoft.com/office/drawing/2014/main" id="{677CA4EB-F611-A0B1-54A4-5A3939DF95DE}"/>
+                <a16:creationId xmlns:a16="http://schemas.microsoft.com/office/drawing/2014/main" id="{9EE0F17A-97DD-7186-B9AC-8B756F7D9DBC}"/>
               </a:ext>
             </a:extLst>
           </p:cNvPr>
@@ -2661,7 +2661,7 @@
           <a:bodyPr/>
           <a:lstStyle/>
           <a:p>
-            <a:fld id="{A7FCEF9C-F8A4-45C4-982D-3032C06C672A}" type="datetimeFigureOut">
+            <a:fld id="{2B560A42-5D6D-4EC6-BCF2-4FB149174AC9}" type="datetimeFigureOut">
               <a:rPr lang="zh-CN" altLang="en-US" smtClean="0"/>
               <a:t>2024/3/10</a:t>
             </a:fld>
@@ -2674,7 +2674,7 @@
           <p:cNvPr id="6" name="页脚占位符 5">
             <a:extLst>
               <a:ext uri="{FF2B5EF4-FFF2-40B4-BE49-F238E27FC236}">
-                <a16:creationId xmlns:a16="http://schemas.microsoft.com/office/drawing/2014/main" id="{B6FC236A-07FD-F418-AACE-D5B1A7D27A34}"/>
+                <a16:creationId xmlns:a16="http://schemas.microsoft.com/office/drawing/2014/main" id="{8CE14721-5749-CCB1-F067-BDB9DF2BA99D}"/>
               </a:ext>
             </a:extLst>
           </p:cNvPr>
@@ -2699,7 +2699,7 @@
           <p:cNvPr id="7" name="灯片编号占位符 6">
             <a:extLst>
               <a:ext uri="{FF2B5EF4-FFF2-40B4-BE49-F238E27FC236}">
-                <a16:creationId xmlns:a16="http://schemas.microsoft.com/office/drawing/2014/main" id="{C259A059-1B35-67B7-8897-80BCBC1EBFFF}"/>
+                <a16:creationId xmlns:a16="http://schemas.microsoft.com/office/drawing/2014/main" id="{545D0731-1471-9EF2-800B-1803243FC422}"/>
               </a:ext>
             </a:extLst>
           </p:cNvPr>
@@ -2715,7 +2715,7 @@
           <a:bodyPr/>
           <a:lstStyle/>
           <a:p>
-            <a:fld id="{00F8F733-F568-4DEF-AF22-07B064E5211A}" type="slidenum">
+            <a:fld id="{2BD5C6B3-6733-4B7A-83CC-E338CED6BFEF}" type="slidenum">
               <a:rPr lang="zh-CN" altLang="en-US" smtClean="0"/>
               <a:t>‹#›</a:t>
             </a:fld>
@@ -2726,7 +2726,7 @@
     </p:spTree>
     <p:extLst>
       <p:ext uri="{BB962C8B-B14F-4D97-AF65-F5344CB8AC3E}">
-        <p14:creationId xmlns:p14="http://schemas.microsoft.com/office/powerpoint/2010/main" val="3879068519"/>
+        <p14:creationId xmlns:p14="http://schemas.microsoft.com/office/powerpoint/2010/main" val="3880313588"/>
       </p:ext>
     </p:extLst>
   </p:cSld>
@@ -2763,7 +2763,7 @@
           <p:cNvPr id="2" name="标题占位符 1">
             <a:extLst>
               <a:ext uri="{FF2B5EF4-FFF2-40B4-BE49-F238E27FC236}">
-                <a16:creationId xmlns:a16="http://schemas.microsoft.com/office/drawing/2014/main" id="{349B8356-CA6F-15D7-36AA-3E222BCA5799}"/>
+                <a16:creationId xmlns:a16="http://schemas.microsoft.com/office/drawing/2014/main" id="{477CE2C5-7E90-1794-42D7-920E6B4E192C}"/>
               </a:ext>
             </a:extLst>
           </p:cNvPr>
@@ -2801,7 +2801,7 @@
           <p:cNvPr id="3" name="文本占位符 2">
             <a:extLst>
               <a:ext uri="{FF2B5EF4-FFF2-40B4-BE49-F238E27FC236}">
-                <a16:creationId xmlns:a16="http://schemas.microsoft.com/office/drawing/2014/main" id="{01640D6A-B20D-7630-D814-2E76EE4FC634}"/>
+                <a16:creationId xmlns:a16="http://schemas.microsoft.com/office/drawing/2014/main" id="{0813CB67-F183-6B46-62BB-D10942E85BC3}"/>
               </a:ext>
             </a:extLst>
           </p:cNvPr>
@@ -2868,7 +2868,7 @@
           <p:cNvPr id="4" name="日期占位符 3">
             <a:extLst>
               <a:ext uri="{FF2B5EF4-FFF2-40B4-BE49-F238E27FC236}">
-                <a16:creationId xmlns:a16="http://schemas.microsoft.com/office/drawing/2014/main" id="{77DD8D0B-B2CD-7A77-4C4C-4979861C6E20}"/>
+                <a16:creationId xmlns:a16="http://schemas.microsoft.com/office/drawing/2014/main" id="{69E98031-E81E-2C19-E2D2-CB55EDD25566}"/>
               </a:ext>
             </a:extLst>
           </p:cNvPr>
@@ -2902,7 +2902,7 @@
             </a:lvl1pPr>
           </a:lstStyle>
           <a:p>
-            <a:fld id="{A7FCEF9C-F8A4-45C4-982D-3032C06C672A}" type="datetimeFigureOut">
+            <a:fld id="{2B560A42-5D6D-4EC6-BCF2-4FB149174AC9}" type="datetimeFigureOut">
               <a:rPr lang="zh-CN" altLang="en-US" smtClean="0"/>
               <a:t>2024/3/10</a:t>
             </a:fld>
@@ -2915,7 +2915,7 @@
           <p:cNvPr id="5" name="页脚占位符 4">
             <a:extLst>
               <a:ext uri="{FF2B5EF4-FFF2-40B4-BE49-F238E27FC236}">
-                <a16:creationId xmlns:a16="http://schemas.microsoft.com/office/drawing/2014/main" id="{08280A20-41EF-1153-FCAC-2F20783F16B7}"/>
+                <a16:creationId xmlns:a16="http://schemas.microsoft.com/office/drawing/2014/main" id="{49D7D399-EDDF-3774-5B4F-FDCED5214A33}"/>
               </a:ext>
             </a:extLst>
           </p:cNvPr>
@@ -2958,7 +2958,7 @@
           <p:cNvPr id="6" name="灯片编号占位符 5">
             <a:extLst>
               <a:ext uri="{FF2B5EF4-FFF2-40B4-BE49-F238E27FC236}">
-                <a16:creationId xmlns:a16="http://schemas.microsoft.com/office/drawing/2014/main" id="{61BBC664-1F78-61A7-CA39-FAE2C4883204}"/>
+                <a16:creationId xmlns:a16="http://schemas.microsoft.com/office/drawing/2014/main" id="{1107510F-916F-9C1B-4359-0AA3740A9D03}"/>
               </a:ext>
             </a:extLst>
           </p:cNvPr>
@@ -2992,7 +2992,7 @@
             </a:lvl1pPr>
           </a:lstStyle>
           <a:p>
-            <a:fld id="{00F8F733-F568-4DEF-AF22-07B064E5211A}" type="slidenum">
+            <a:fld id="{2BD5C6B3-6733-4B7A-83CC-E338CED6BFEF}" type="slidenum">
               <a:rPr lang="zh-CN" altLang="en-US" smtClean="0"/>
               <a:t>‹#›</a:t>
             </a:fld>
@@ -3003,7 +3003,7 @@
     </p:spTree>
     <p:extLst>
       <p:ext uri="{BB962C8B-B14F-4D97-AF65-F5344CB8AC3E}">
-        <p14:creationId xmlns:p14="http://schemas.microsoft.com/office/powerpoint/2010/main" val="2096156662"/>
+        <p14:creationId xmlns:p14="http://schemas.microsoft.com/office/powerpoint/2010/main" val="3550176597"/>
       </p:ext>
     </p:extLst>
   </p:cSld>
@@ -3323,7 +3323,7 @@
       </p:grpSpPr>
       <p:pic>
         <p:nvPicPr>
-          <p:cNvPr id="1414146" name="Picture 2" descr="1380"/>
+          <p:cNvPr id="1415170" name="Picture 2" descr="1381"/>
           <p:cNvPicPr>
             <a:picLocks noChangeAspect="1" noChangeArrowheads="1"/>
           </p:cNvPicPr>
@@ -3345,7 +3345,7 @@
         <p:spPr bwMode="auto">
           <a:xfrm>
             <a:off x="1524000" y="1"/>
-            <a:ext cx="9144000" cy="5084763"/>
+            <a:ext cx="9144000" cy="4221163"/>
           </a:xfrm>
           <a:prstGeom prst="rect">
             <a:avLst/>
